--- a/MyGameList.pptx
+++ b/MyGameList.pptx
@@ -15228,6 +15228,10 @@
               <a:spcAft>
                 <a:spcPts val="0"/>
               </a:spcAft>
+              <a:buClr>
+                <a:schemeClr val="bg2"/>
+              </a:buClr>
+              <a:buSzPct val="100000"/>
               <a:buFont typeface="Arial" panose="020B0604020202020204" pitchFamily="34" charset="0"/>
               <a:buChar char="•"/>
             </a:pPr>
@@ -15244,6 +15248,10 @@
               <a:spcAft>
                 <a:spcPts val="0"/>
               </a:spcAft>
+              <a:buClr>
+                <a:schemeClr val="bg2"/>
+              </a:buClr>
+              <a:buSzPct val="100000"/>
               <a:buFont typeface="Arial" panose="020B0604020202020204" pitchFamily="34" charset="0"/>
               <a:buChar char="•"/>
             </a:pPr>
@@ -15260,6 +15268,10 @@
               <a:spcAft>
                 <a:spcPts val="0"/>
               </a:spcAft>
+              <a:buClr>
+                <a:schemeClr val="bg2"/>
+              </a:buClr>
+              <a:buSzPct val="100000"/>
               <a:buFont typeface="Arial" panose="020B0604020202020204" pitchFamily="34" charset="0"/>
               <a:buChar char="•"/>
             </a:pPr>
@@ -15276,6 +15288,10 @@
               <a:spcAft>
                 <a:spcPts val="0"/>
               </a:spcAft>
+              <a:buClr>
+                <a:schemeClr val="bg2"/>
+              </a:buClr>
+              <a:buSzPct val="100000"/>
               <a:buFont typeface="Arial" panose="020B0604020202020204" pitchFamily="34" charset="0"/>
               <a:buChar char="•"/>
             </a:pPr>
@@ -15757,6 +15773,10 @@
           </a:p>
           <a:p>
             <a:pPr marL="285750" indent="-285750" algn="l">
+              <a:buClr>
+                <a:schemeClr val="bg2"/>
+              </a:buClr>
+              <a:buSzPct val="100000"/>
               <a:buFont typeface="Arial" panose="020B0604020202020204" pitchFamily="34" charset="0"/>
               <a:buChar char="•"/>
             </a:pPr>
@@ -15767,6 +15787,10 @@
           </a:p>
           <a:p>
             <a:pPr marL="285750" indent="-285750" algn="l">
+              <a:buClr>
+                <a:schemeClr val="bg2"/>
+              </a:buClr>
+              <a:buSzPct val="100000"/>
               <a:buFont typeface="Arial" panose="020B0604020202020204" pitchFamily="34" charset="0"/>
               <a:buChar char="•"/>
             </a:pPr>
@@ -15777,6 +15801,10 @@
           </a:p>
           <a:p>
             <a:pPr marL="285750" indent="-285750" algn="l">
+              <a:buClr>
+                <a:schemeClr val="bg2"/>
+              </a:buClr>
+              <a:buSzPct val="100000"/>
               <a:buFont typeface="Arial" panose="020B0604020202020204" pitchFamily="34" charset="0"/>
               <a:buChar char="•"/>
             </a:pPr>
@@ -15787,6 +15815,10 @@
           </a:p>
           <a:p>
             <a:pPr marL="285750" indent="-285750" algn="l">
+              <a:buClr>
+                <a:schemeClr val="bg2"/>
+              </a:buClr>
+              <a:buSzPct val="100000"/>
               <a:buFont typeface="Arial" panose="020B0604020202020204" pitchFamily="34" charset="0"/>
               <a:buChar char="•"/>
             </a:pPr>
@@ -16153,8 +16185,8 @@
         </p:nvSpPr>
         <p:spPr>
           <a:xfrm>
-            <a:off x="1013450" y="1937657"/>
-            <a:ext cx="2956205" cy="416668"/>
+            <a:off x="1013450" y="1877353"/>
+            <a:ext cx="3238003" cy="476972"/>
           </a:xfrm>
           <a:prstGeom prst="rect">
             <a:avLst/>
@@ -16171,14 +16203,15 @@
           </a:bodyPr>
           <a:lstStyle/>
           <a:p>
-            <a:pPr marL="0" lvl="0" indent="0" algn="l" rtl="0">
-              <a:spcBef>
-                <a:spcPts val="0"/>
-              </a:spcBef>
-              <a:spcAft>
-                <a:spcPts val="0"/>
-              </a:spcAft>
-              <a:buNone/>
+            <a:pPr marL="285750" lvl="0" indent="-285750" algn="l" rtl="0">
+              <a:spcBef>
+                <a:spcPts val="0"/>
+              </a:spcBef>
+              <a:spcAft>
+                <a:spcPts val="0"/>
+              </a:spcAft>
+              <a:buFont typeface="Wingdings" panose="05000000000000000000" pitchFamily="2" charset="2"/>
+              <a:buChar char="ü"/>
             </a:pPr>
             <a:r>
               <a:rPr lang="en-US" b="0" i="0" dirty="0">
@@ -16261,8 +16294,8 @@
         </p:nvSpPr>
         <p:spPr>
           <a:xfrm>
-            <a:off x="1036663" y="2571750"/>
-            <a:ext cx="2932993" cy="416668"/>
+            <a:off x="1036663" y="2550690"/>
+            <a:ext cx="3214790" cy="476972"/>
           </a:xfrm>
           <a:prstGeom prst="rect">
             <a:avLst/>
@@ -16526,7 +16559,10 @@
             </a:lvl9pPr>
           </a:lstStyle>
           <a:p>
-            <a:pPr marL="0" indent="0" algn="l"/>
+            <a:pPr marL="285750" indent="-285750" algn="l">
+              <a:buFont typeface="Wingdings" panose="05000000000000000000" pitchFamily="2" charset="2"/>
+              <a:buChar char="ü"/>
+            </a:pPr>
             <a:r>
               <a:rPr lang="en-US" dirty="0">
                 <a:solidFill>
@@ -16560,8 +16596,8 @@
         </p:nvSpPr>
         <p:spPr>
           <a:xfrm>
-            <a:off x="1036662" y="3205843"/>
-            <a:ext cx="2932993" cy="416668"/>
+            <a:off x="1036662" y="3166599"/>
+            <a:ext cx="3214791" cy="476972"/>
           </a:xfrm>
           <a:prstGeom prst="rect">
             <a:avLst/>
@@ -16825,7 +16861,10 @@
             </a:lvl9pPr>
           </a:lstStyle>
           <a:p>
-            <a:pPr marL="0" indent="0" algn="l"/>
+            <a:pPr marL="285750" indent="-285750" algn="l">
+              <a:buFont typeface="Wingdings" panose="05000000000000000000" pitchFamily="2" charset="2"/>
+              <a:buChar char="ü"/>
+            </a:pPr>
             <a:r>
               <a:rPr lang="en-US" dirty="0">
                 <a:solidFill>
@@ -16859,8 +16898,8 @@
         </p:nvSpPr>
         <p:spPr>
           <a:xfrm>
-            <a:off x="1036662" y="3839936"/>
-            <a:ext cx="2932993" cy="416668"/>
+            <a:off x="1036662" y="3839657"/>
+            <a:ext cx="3214791" cy="476972"/>
           </a:xfrm>
           <a:prstGeom prst="rect">
             <a:avLst/>
@@ -17124,9 +17163,12 @@
             </a:lvl9pPr>
           </a:lstStyle>
           <a:p>
-            <a:pPr marL="0" indent="0" algn="l"/>
+            <a:pPr marL="285750" indent="-285750" algn="l">
+              <a:buFont typeface="Wingdings" panose="05000000000000000000" pitchFamily="2" charset="2"/>
+              <a:buChar char="ü"/>
+            </a:pPr>
             <a:r>
-              <a:rPr lang="en-US" sz="1400" dirty="0">
+              <a:rPr lang="en-US" dirty="0">
                 <a:latin typeface="Kanit Light" panose="020B0604020202020204" charset="-34"/>
                 <a:cs typeface="Kanit Light" panose="020B0604020202020204" charset="-34"/>
               </a:rPr>
@@ -17151,8 +17193,8 @@
         </p:nvSpPr>
         <p:spPr>
           <a:xfrm>
-            <a:off x="4572002" y="1937657"/>
-            <a:ext cx="2932993" cy="416668"/>
+            <a:off x="4572000" y="1877353"/>
+            <a:ext cx="3238003" cy="476972"/>
           </a:xfrm>
           <a:prstGeom prst="rect">
             <a:avLst/>
@@ -17416,7 +17458,10 @@
             </a:lvl9pPr>
           </a:lstStyle>
           <a:p>
-            <a:pPr marL="0" indent="0" algn="l"/>
+            <a:pPr marL="285750" indent="-285750" algn="l">
+              <a:buFont typeface="Wingdings" panose="05000000000000000000" pitchFamily="2" charset="2"/>
+              <a:buChar char="ü"/>
+            </a:pPr>
             <a:r>
               <a:rPr lang="en-US" dirty="0">
                 <a:solidFill>
@@ -17450,8 +17495,8 @@
         </p:nvSpPr>
         <p:spPr>
           <a:xfrm>
-            <a:off x="4572001" y="2571750"/>
-            <a:ext cx="2932993" cy="416668"/>
+            <a:off x="4572000" y="2550690"/>
+            <a:ext cx="3238002" cy="476972"/>
           </a:xfrm>
           <a:prstGeom prst="rect">
             <a:avLst/>
@@ -17715,7 +17760,10 @@
             </a:lvl9pPr>
           </a:lstStyle>
           <a:p>
-            <a:pPr marL="0" indent="0" algn="l"/>
+            <a:pPr marL="285750" indent="-285750" algn="l">
+              <a:buFont typeface="Wingdings" panose="05000000000000000000" pitchFamily="2" charset="2"/>
+              <a:buChar char="ü"/>
+            </a:pPr>
             <a:r>
               <a:rPr lang="en-US" dirty="0">
                 <a:latin typeface="Kanit Light" panose="020B0604020202020204" charset="-34"/>
@@ -17742,8 +17790,8 @@
         </p:nvSpPr>
         <p:spPr>
           <a:xfrm>
-            <a:off x="4572000" y="3205843"/>
-            <a:ext cx="2932993" cy="416668"/>
+            <a:off x="4572000" y="3166599"/>
+            <a:ext cx="3238002" cy="476972"/>
           </a:xfrm>
           <a:prstGeom prst="rect">
             <a:avLst/>
@@ -18007,7 +18055,10 @@
             </a:lvl9pPr>
           </a:lstStyle>
           <a:p>
-            <a:pPr marL="0" indent="0" algn="l"/>
+            <a:pPr marL="285750" indent="-285750" algn="l">
+              <a:buFont typeface="Wingdings" panose="05000000000000000000" pitchFamily="2" charset="2"/>
+              <a:buChar char="ü"/>
+            </a:pPr>
             <a:r>
               <a:rPr lang="en-US" dirty="0">
                 <a:latin typeface="Kanit Light" panose="020B0604020202020204" charset="-34"/>
@@ -18034,8 +18085,8 @@
         </p:nvSpPr>
         <p:spPr>
           <a:xfrm>
-            <a:off x="4572000" y="3839936"/>
-            <a:ext cx="2932993" cy="416668"/>
+            <a:off x="4572000" y="3839657"/>
+            <a:ext cx="3238002" cy="476972"/>
           </a:xfrm>
           <a:prstGeom prst="rect">
             <a:avLst/>
@@ -18299,7 +18350,10 @@
             </a:lvl9pPr>
           </a:lstStyle>
           <a:p>
-            <a:pPr marL="0" indent="0" algn="l"/>
+            <a:pPr marL="285750" indent="-285750" algn="l">
+              <a:buFont typeface="Wingdings" panose="05000000000000000000" pitchFamily="2" charset="2"/>
+              <a:buChar char="ü"/>
+            </a:pPr>
             <a:r>
               <a:rPr lang="en-US" dirty="0">
                 <a:latin typeface="Kanit Light" panose="020B0604020202020204" charset="-34"/>
@@ -26941,162 +26995,12 @@
           </a:p>
         </p:txBody>
       </p:sp>
-      <p:grpSp>
-        <p:nvGrpSpPr>
-          <p:cNvPr id="347" name="Google Shape;347;p36"/>
-          <p:cNvGrpSpPr/>
-          <p:nvPr/>
-        </p:nvGrpSpPr>
-        <p:grpSpPr>
-          <a:xfrm>
-            <a:off x="8228625" y="1820750"/>
-            <a:ext cx="226500" cy="378950"/>
-            <a:chOff x="7894100" y="3762250"/>
-            <a:chExt cx="226500" cy="378950"/>
-          </a:xfrm>
-        </p:grpSpPr>
-        <p:sp>
-          <p:nvSpPr>
-            <p:cNvPr id="348" name="Google Shape;348;p36"/>
-            <p:cNvSpPr/>
-            <p:nvPr/>
-          </p:nvSpPr>
-          <p:spPr>
-            <a:xfrm>
-              <a:off x="8046500" y="3762250"/>
-              <a:ext cx="74100" cy="74100"/>
-            </a:xfrm>
-            <a:prstGeom prst="rect">
-              <a:avLst/>
-            </a:prstGeom>
-            <a:solidFill>
-              <a:schemeClr val="lt2"/>
-            </a:solidFill>
-            <a:ln>
-              <a:noFill/>
-            </a:ln>
-          </p:spPr>
-          <p:txBody>
-            <a:bodyPr spcFirstLastPara="1" wrap="square" lIns="91425" tIns="91425" rIns="91425" bIns="91425" anchor="ctr" anchorCtr="0">
-              <a:noAutofit/>
-            </a:bodyPr>
-            <a:lstStyle/>
-            <a:p>
-              <a:pPr marL="0" lvl="0" indent="0" algn="ctr" rtl="0">
-                <a:spcBef>
-                  <a:spcPts val="0"/>
-                </a:spcBef>
-                <a:spcAft>
-                  <a:spcPts val="0"/>
-                </a:spcAft>
-                <a:buNone/>
-              </a:pPr>
-              <a:endParaRPr>
-                <a:latin typeface="Kanit"/>
-                <a:ea typeface="Kanit"/>
-                <a:cs typeface="Kanit"/>
-                <a:sym typeface="Kanit"/>
-              </a:endParaRPr>
-            </a:p>
-          </p:txBody>
-        </p:sp>
-        <p:sp>
-          <p:nvSpPr>
-            <p:cNvPr id="349" name="Google Shape;349;p36"/>
-            <p:cNvSpPr/>
-            <p:nvPr/>
-          </p:nvSpPr>
-          <p:spPr>
-            <a:xfrm>
-              <a:off x="7894100" y="3914675"/>
-              <a:ext cx="74100" cy="74100"/>
-            </a:xfrm>
-            <a:prstGeom prst="rect">
-              <a:avLst/>
-            </a:prstGeom>
-            <a:solidFill>
-              <a:schemeClr val="lt2"/>
-            </a:solidFill>
-            <a:ln>
-              <a:noFill/>
-            </a:ln>
-          </p:spPr>
-          <p:txBody>
-            <a:bodyPr spcFirstLastPara="1" wrap="square" lIns="91425" tIns="91425" rIns="91425" bIns="91425" anchor="ctr" anchorCtr="0">
-              <a:noAutofit/>
-            </a:bodyPr>
-            <a:lstStyle/>
-            <a:p>
-              <a:pPr marL="0" lvl="0" indent="0" algn="ctr" rtl="0">
-                <a:spcBef>
-                  <a:spcPts val="0"/>
-                </a:spcBef>
-                <a:spcAft>
-                  <a:spcPts val="0"/>
-                </a:spcAft>
-                <a:buNone/>
-              </a:pPr>
-              <a:endParaRPr>
-                <a:latin typeface="Kanit"/>
-                <a:ea typeface="Kanit"/>
-                <a:cs typeface="Kanit"/>
-                <a:sym typeface="Kanit"/>
-              </a:endParaRPr>
-            </a:p>
-          </p:txBody>
-        </p:sp>
-        <p:sp>
-          <p:nvSpPr>
-            <p:cNvPr id="350" name="Google Shape;350;p36"/>
-            <p:cNvSpPr/>
-            <p:nvPr/>
-          </p:nvSpPr>
-          <p:spPr>
-            <a:xfrm>
-              <a:off x="8046500" y="4067100"/>
-              <a:ext cx="74100" cy="74100"/>
-            </a:xfrm>
-            <a:prstGeom prst="rect">
-              <a:avLst/>
-            </a:prstGeom>
-            <a:solidFill>
-              <a:schemeClr val="lt2"/>
-            </a:solidFill>
-            <a:ln>
-              <a:noFill/>
-            </a:ln>
-          </p:spPr>
-          <p:txBody>
-            <a:bodyPr spcFirstLastPara="1" wrap="square" lIns="91425" tIns="91425" rIns="91425" bIns="91425" anchor="ctr" anchorCtr="0">
-              <a:noAutofit/>
-            </a:bodyPr>
-            <a:lstStyle/>
-            <a:p>
-              <a:pPr marL="0" lvl="0" indent="0" algn="ctr" rtl="0">
-                <a:spcBef>
-                  <a:spcPts val="0"/>
-                </a:spcBef>
-                <a:spcAft>
-                  <a:spcPts val="0"/>
-                </a:spcAft>
-                <a:buNone/>
-              </a:pPr>
-              <a:endParaRPr>
-                <a:latin typeface="Kanit"/>
-                <a:ea typeface="Kanit"/>
-                <a:cs typeface="Kanit"/>
-                <a:sym typeface="Kanit"/>
-              </a:endParaRPr>
-            </a:p>
-          </p:txBody>
-        </p:sp>
-      </p:grpSp>
       <p:pic>
         <p:nvPicPr>
-          <p:cNvPr id="5" name="Picture 4">
+          <p:cNvPr id="6" name="Picture 5" descr="A computer screen shot of a diagram&#10;&#10;AI-generated content may be incorrect.">
             <a:extLst>
               <a:ext uri="{FF2B5EF4-FFF2-40B4-BE49-F238E27FC236}">
-                <a16:creationId xmlns:a16="http://schemas.microsoft.com/office/drawing/2014/main" id="{D90ACFD0-DCF2-8CD6-8EDC-DE38E37AA730}"/>
+                <a16:creationId xmlns:a16="http://schemas.microsoft.com/office/drawing/2014/main" id="{0EDE8309-F74E-EA22-F798-35B346C5E6A5}"/>
               </a:ext>
             </a:extLst>
           </p:cNvPr>
@@ -27113,8 +27017,8 @@
         </p:blipFill>
         <p:spPr>
           <a:xfrm>
-            <a:off x="268132" y="1363149"/>
-            <a:ext cx="8676488" cy="2265947"/>
+            <a:off x="1245555" y="461608"/>
+            <a:ext cx="6652890" cy="3403428"/>
           </a:xfrm>
           <a:prstGeom prst="rect">
             <a:avLst/>
